--- a/images/Images Creations (Venn Tools).pptx
+++ b/images/Images Creations (Venn Tools).pptx
@@ -7,6 +7,7 @@
   <p:sldIdLst>
     <p:sldId id="261" r:id="rId2"/>
     <p:sldId id="265" r:id="rId3"/>
+    <p:sldId id="266" r:id="rId4"/>
   </p:sldIdLst>
   <p:sldSz cx="12192000" cy="6858000"/>
   <p:notesSz cx="6858000" cy="9144000"/>
@@ -287,7 +288,7 @@
           <a:p>
             <a:fld id="{FE399230-328D-4161-A7A8-412A0F28ED17}" type="datetimeFigureOut">
               <a:rPr lang="en-US" smtClean="0"/>
-              <a:t>1/29/2021</a:t>
+              <a:t>3/5/2021</a:t>
             </a:fld>
             <a:endParaRPr lang="en-US" dirty="0"/>
           </a:p>
@@ -485,7 +486,7 @@
           <a:p>
             <a:fld id="{FE399230-328D-4161-A7A8-412A0F28ED17}" type="datetimeFigureOut">
               <a:rPr lang="en-US" smtClean="0"/>
-              <a:t>1/29/2021</a:t>
+              <a:t>3/5/2021</a:t>
             </a:fld>
             <a:endParaRPr lang="en-US" dirty="0"/>
           </a:p>
@@ -693,7 +694,7 @@
           <a:p>
             <a:fld id="{FE399230-328D-4161-A7A8-412A0F28ED17}" type="datetimeFigureOut">
               <a:rPr lang="en-US" smtClean="0"/>
-              <a:t>1/29/2021</a:t>
+              <a:t>3/5/2021</a:t>
             </a:fld>
             <a:endParaRPr lang="en-US" dirty="0"/>
           </a:p>
@@ -891,7 +892,7 @@
           <a:p>
             <a:fld id="{FE399230-328D-4161-A7A8-412A0F28ED17}" type="datetimeFigureOut">
               <a:rPr lang="en-US" smtClean="0"/>
-              <a:t>1/29/2021</a:t>
+              <a:t>3/5/2021</a:t>
             </a:fld>
             <a:endParaRPr lang="en-US" dirty="0"/>
           </a:p>
@@ -1166,7 +1167,7 @@
           <a:p>
             <a:fld id="{FE399230-328D-4161-A7A8-412A0F28ED17}" type="datetimeFigureOut">
               <a:rPr lang="en-US" smtClean="0"/>
-              <a:t>1/29/2021</a:t>
+              <a:t>3/5/2021</a:t>
             </a:fld>
             <a:endParaRPr lang="en-US" dirty="0"/>
           </a:p>
@@ -1431,7 +1432,7 @@
           <a:p>
             <a:fld id="{FE399230-328D-4161-A7A8-412A0F28ED17}" type="datetimeFigureOut">
               <a:rPr lang="en-US" smtClean="0"/>
-              <a:t>1/29/2021</a:t>
+              <a:t>3/5/2021</a:t>
             </a:fld>
             <a:endParaRPr lang="en-US" dirty="0"/>
           </a:p>
@@ -1843,7 +1844,7 @@
           <a:p>
             <a:fld id="{FE399230-328D-4161-A7A8-412A0F28ED17}" type="datetimeFigureOut">
               <a:rPr lang="en-US" smtClean="0"/>
-              <a:t>1/29/2021</a:t>
+              <a:t>3/5/2021</a:t>
             </a:fld>
             <a:endParaRPr lang="en-US" dirty="0"/>
           </a:p>
@@ -1984,7 +1985,7 @@
           <a:p>
             <a:fld id="{FE399230-328D-4161-A7A8-412A0F28ED17}" type="datetimeFigureOut">
               <a:rPr lang="en-US" smtClean="0"/>
-              <a:t>1/29/2021</a:t>
+              <a:t>3/5/2021</a:t>
             </a:fld>
             <a:endParaRPr lang="en-US" dirty="0"/>
           </a:p>
@@ -2097,7 +2098,7 @@
           <a:p>
             <a:fld id="{FE399230-328D-4161-A7A8-412A0F28ED17}" type="datetimeFigureOut">
               <a:rPr lang="en-US" smtClean="0"/>
-              <a:t>1/29/2021</a:t>
+              <a:t>3/5/2021</a:t>
             </a:fld>
             <a:endParaRPr lang="en-US" dirty="0"/>
           </a:p>
@@ -2408,7 +2409,7 @@
           <a:p>
             <a:fld id="{FE399230-328D-4161-A7A8-412A0F28ED17}" type="datetimeFigureOut">
               <a:rPr lang="en-US" smtClean="0"/>
-              <a:t>1/29/2021</a:t>
+              <a:t>3/5/2021</a:t>
             </a:fld>
             <a:endParaRPr lang="en-US" dirty="0"/>
           </a:p>
@@ -2696,7 +2697,7 @@
           <a:p>
             <a:fld id="{FE399230-328D-4161-A7A8-412A0F28ED17}" type="datetimeFigureOut">
               <a:rPr lang="en-US" smtClean="0"/>
-              <a:t>1/29/2021</a:t>
+              <a:t>3/5/2021</a:t>
             </a:fld>
             <a:endParaRPr lang="en-US" dirty="0"/>
           </a:p>
@@ -2937,7 +2938,7 @@
           <a:p>
             <a:fld id="{FE399230-328D-4161-A7A8-412A0F28ED17}" type="datetimeFigureOut">
               <a:rPr lang="en-US" smtClean="0"/>
-              <a:t>1/29/2021</a:t>
+              <a:t>3/5/2021</a:t>
             </a:fld>
             <a:endParaRPr lang="en-US" dirty="0"/>
           </a:p>
@@ -6002,6 +6003,1184 @@
 </p:sld>
 </file>
 
+<file path=ppt/slides/slide3.xml><?xml version="1.0" encoding="utf-8"?>
+<p:sld xmlns:a="http://schemas.openxmlformats.org/drawingml/2006/main" xmlns:r="http://schemas.openxmlformats.org/officeDocument/2006/relationships" xmlns:p="http://schemas.openxmlformats.org/presentationml/2006/main">
+  <p:cSld>
+    <p:spTree>
+      <p:nvGrpSpPr>
+        <p:cNvPr id="1" name=""/>
+        <p:cNvGrpSpPr/>
+        <p:nvPr/>
+      </p:nvGrpSpPr>
+      <p:grpSpPr>
+        <a:xfrm>
+          <a:off x="0" y="0"/>
+          <a:ext cx="0" cy="0"/>
+          <a:chOff x="0" y="0"/>
+          <a:chExt cx="0" cy="0"/>
+        </a:xfrm>
+      </p:grpSpPr>
+      <p:sp>
+        <p:nvSpPr>
+          <p:cNvPr id="4" name="Rectangle: Rounded Corners 3">
+            <a:extLst>
+              <a:ext uri="{FF2B5EF4-FFF2-40B4-BE49-F238E27FC236}">
+                <a16:creationId xmlns:a16="http://schemas.microsoft.com/office/drawing/2014/main" id="{2257B415-97B0-42FC-A369-5BC67E744646}"/>
+              </a:ext>
+            </a:extLst>
+          </p:cNvPr>
+          <p:cNvSpPr/>
+          <p:nvPr/>
+        </p:nvSpPr>
+        <p:spPr>
+          <a:xfrm>
+            <a:off x="329184" y="795528"/>
+            <a:ext cx="2941319" cy="564008"/>
+          </a:xfrm>
+          <a:prstGeom prst="roundRect">
+            <a:avLst>
+              <a:gd name="adj" fmla="val 3697"/>
+            </a:avLst>
+          </a:prstGeom>
+          <a:solidFill>
+            <a:schemeClr val="accent1">
+              <a:alpha val="80000"/>
+            </a:schemeClr>
+          </a:solidFill>
+          <a:ln>
+            <a:noFill/>
+          </a:ln>
+        </p:spPr>
+        <p:style>
+          <a:lnRef idx="2">
+            <a:schemeClr val="lt1">
+              <a:hueOff val="0"/>
+              <a:satOff val="0"/>
+              <a:lumOff val="0"/>
+              <a:alphaOff val="0"/>
+            </a:schemeClr>
+          </a:lnRef>
+          <a:fillRef idx="1">
+            <a:schemeClr val="accent1">
+              <a:alpha val="50000"/>
+              <a:hueOff val="0"/>
+              <a:satOff val="0"/>
+              <a:lumOff val="0"/>
+              <a:alphaOff val="0"/>
+            </a:schemeClr>
+          </a:fillRef>
+          <a:effectRef idx="0">
+            <a:schemeClr val="accent1">
+              <a:alpha val="50000"/>
+              <a:hueOff val="0"/>
+              <a:satOff val="0"/>
+              <a:lumOff val="0"/>
+              <a:alphaOff val="0"/>
+            </a:schemeClr>
+          </a:effectRef>
+          <a:fontRef idx="minor">
+            <a:schemeClr val="tx1"/>
+          </a:fontRef>
+        </p:style>
+        <p:txBody>
+          <a:bodyPr spcFirstLastPara="0" vert="horz" wrap="square" lIns="228595" tIns="627118" rIns="742427" bIns="465281" numCol="1" spcCol="1270" anchor="ctr" anchorCtr="0">
+            <a:noAutofit/>
+          </a:bodyPr>
+          <a:lstStyle/>
+          <a:p>
+            <a:pPr algn="ctr" defTabSz="2222500">
+              <a:lnSpc>
+                <a:spcPct val="90000"/>
+              </a:lnSpc>
+              <a:spcBef>
+                <a:spcPct val="0"/>
+              </a:spcBef>
+              <a:spcAft>
+                <a:spcPct val="35000"/>
+              </a:spcAft>
+            </a:pPr>
+            <a:endParaRPr lang="en-US" sz="1600" dirty="0">
+              <a:solidFill>
+                <a:schemeClr val="tx1"/>
+              </a:solidFill>
+              <a:latin typeface="Montserrat Black" panose="00000A00000000000000" pitchFamily="2" charset="0"/>
+            </a:endParaRPr>
+          </a:p>
+        </p:txBody>
+      </p:sp>
+      <p:sp>
+        <p:nvSpPr>
+          <p:cNvPr id="29" name="TextBox 28">
+            <a:extLst>
+              <a:ext uri="{FF2B5EF4-FFF2-40B4-BE49-F238E27FC236}">
+                <a16:creationId xmlns:a16="http://schemas.microsoft.com/office/drawing/2014/main" id="{494BE049-E553-4977-AF8C-EC9AC564F2CB}"/>
+              </a:ext>
+            </a:extLst>
+          </p:cNvPr>
+          <p:cNvSpPr txBox="1"/>
+          <p:nvPr/>
+        </p:nvSpPr>
+        <p:spPr>
+          <a:xfrm>
+            <a:off x="329184" y="925004"/>
+            <a:ext cx="2941319" cy="313932"/>
+          </a:xfrm>
+          <a:prstGeom prst="rect">
+            <a:avLst/>
+          </a:prstGeom>
+          <a:noFill/>
+        </p:spPr>
+        <p:txBody>
+          <a:bodyPr wrap="square">
+            <a:spAutoFit/>
+          </a:bodyPr>
+          <a:lstStyle/>
+          <a:p>
+            <a:pPr algn="ctr" defTabSz="2222500">
+              <a:lnSpc>
+                <a:spcPct val="90000"/>
+              </a:lnSpc>
+              <a:spcBef>
+                <a:spcPct val="0"/>
+              </a:spcBef>
+              <a:spcAft>
+                <a:spcPct val="35000"/>
+              </a:spcAft>
+            </a:pPr>
+            <a:r>
+              <a:rPr lang="en-US" sz="1600" dirty="0">
+                <a:solidFill>
+                  <a:schemeClr val="bg1"/>
+                </a:solidFill>
+                <a:latin typeface="Montserrat Black" panose="00000A00000000000000" pitchFamily="2" charset="0"/>
+              </a:rPr>
+              <a:t>Product Management</a:t>
+            </a:r>
+          </a:p>
+        </p:txBody>
+      </p:sp>
+      <p:cxnSp>
+        <p:nvCxnSpPr>
+          <p:cNvPr id="7" name="Straight Connector 6">
+            <a:extLst>
+              <a:ext uri="{FF2B5EF4-FFF2-40B4-BE49-F238E27FC236}">
+                <a16:creationId xmlns:a16="http://schemas.microsoft.com/office/drawing/2014/main" id="{E9A57772-D7D7-42D0-B3CF-E8EFFD76E523}"/>
+              </a:ext>
+            </a:extLst>
+          </p:cNvPr>
+          <p:cNvCxnSpPr>
+            <a:cxnSpLocks/>
+          </p:cNvCxnSpPr>
+          <p:nvPr/>
+        </p:nvCxnSpPr>
+        <p:spPr>
+          <a:xfrm>
+            <a:off x="329184" y="1077532"/>
+            <a:ext cx="0" cy="2651760"/>
+          </a:xfrm>
+          <a:prstGeom prst="line">
+            <a:avLst/>
+          </a:prstGeom>
+          <a:ln w="9525"/>
+        </p:spPr>
+        <p:style>
+          <a:lnRef idx="1">
+            <a:schemeClr val="accent1"/>
+          </a:lnRef>
+          <a:fillRef idx="0">
+            <a:schemeClr val="accent1"/>
+          </a:fillRef>
+          <a:effectRef idx="0">
+            <a:schemeClr val="accent1"/>
+          </a:effectRef>
+          <a:fontRef idx="minor">
+            <a:schemeClr val="tx1"/>
+          </a:fontRef>
+        </p:style>
+      </p:cxnSp>
+      <p:sp>
+        <p:nvSpPr>
+          <p:cNvPr id="30" name="Rectangle: Rounded Corners 29">
+            <a:extLst>
+              <a:ext uri="{FF2B5EF4-FFF2-40B4-BE49-F238E27FC236}">
+                <a16:creationId xmlns:a16="http://schemas.microsoft.com/office/drawing/2014/main" id="{D37CD9B0-199F-4EDC-9854-2DC5ABA92495}"/>
+              </a:ext>
+            </a:extLst>
+          </p:cNvPr>
+          <p:cNvSpPr/>
+          <p:nvPr/>
+        </p:nvSpPr>
+        <p:spPr>
+          <a:xfrm>
+            <a:off x="3371088" y="795528"/>
+            <a:ext cx="2941319" cy="564008"/>
+          </a:xfrm>
+          <a:prstGeom prst="roundRect">
+            <a:avLst>
+              <a:gd name="adj" fmla="val 3697"/>
+            </a:avLst>
+          </a:prstGeom>
+          <a:solidFill>
+            <a:schemeClr val="accent2">
+              <a:alpha val="80000"/>
+            </a:schemeClr>
+          </a:solidFill>
+          <a:ln>
+            <a:noFill/>
+          </a:ln>
+        </p:spPr>
+        <p:style>
+          <a:lnRef idx="2">
+            <a:schemeClr val="lt1">
+              <a:hueOff val="0"/>
+              <a:satOff val="0"/>
+              <a:lumOff val="0"/>
+              <a:alphaOff val="0"/>
+            </a:schemeClr>
+          </a:lnRef>
+          <a:fillRef idx="1">
+            <a:schemeClr val="accent1">
+              <a:alpha val="50000"/>
+              <a:hueOff val="0"/>
+              <a:satOff val="0"/>
+              <a:lumOff val="0"/>
+              <a:alphaOff val="0"/>
+            </a:schemeClr>
+          </a:fillRef>
+          <a:effectRef idx="0">
+            <a:schemeClr val="accent1">
+              <a:alpha val="50000"/>
+              <a:hueOff val="0"/>
+              <a:satOff val="0"/>
+              <a:lumOff val="0"/>
+              <a:alphaOff val="0"/>
+            </a:schemeClr>
+          </a:effectRef>
+          <a:fontRef idx="minor">
+            <a:schemeClr val="tx1"/>
+          </a:fontRef>
+        </p:style>
+        <p:txBody>
+          <a:bodyPr spcFirstLastPara="0" vert="horz" wrap="square" lIns="323674" tIns="424821" rIns="323674" bIns="910334" numCol="1" spcCol="1270" anchor="ctr" anchorCtr="0">
+            <a:noAutofit/>
+          </a:bodyPr>
+          <a:lstStyle/>
+          <a:p>
+            <a:pPr algn="ctr" defTabSz="2711450">
+              <a:lnSpc>
+                <a:spcPct val="90000"/>
+              </a:lnSpc>
+              <a:spcBef>
+                <a:spcPct val="0"/>
+              </a:spcBef>
+              <a:spcAft>
+                <a:spcPct val="35000"/>
+              </a:spcAft>
+            </a:pPr>
+            <a:endParaRPr lang="en-US" sz="6000" dirty="0"/>
+          </a:p>
+        </p:txBody>
+      </p:sp>
+      <p:sp>
+        <p:nvSpPr>
+          <p:cNvPr id="32" name="TextBox 31">
+            <a:extLst>
+              <a:ext uri="{FF2B5EF4-FFF2-40B4-BE49-F238E27FC236}">
+                <a16:creationId xmlns:a16="http://schemas.microsoft.com/office/drawing/2014/main" id="{FA6188E6-923E-4EEC-A00A-5E50C3F4111A}"/>
+              </a:ext>
+            </a:extLst>
+          </p:cNvPr>
+          <p:cNvSpPr txBox="1"/>
+          <p:nvPr/>
+        </p:nvSpPr>
+        <p:spPr>
+          <a:xfrm>
+            <a:off x="3371088" y="925004"/>
+            <a:ext cx="2941319" cy="313932"/>
+          </a:xfrm>
+          <a:prstGeom prst="rect">
+            <a:avLst/>
+          </a:prstGeom>
+          <a:noFill/>
+        </p:spPr>
+        <p:txBody>
+          <a:bodyPr wrap="square">
+            <a:spAutoFit/>
+          </a:bodyPr>
+          <a:lstStyle/>
+          <a:p>
+            <a:pPr algn="ctr" defTabSz="2222500">
+              <a:lnSpc>
+                <a:spcPct val="90000"/>
+              </a:lnSpc>
+              <a:spcBef>
+                <a:spcPct val="0"/>
+              </a:spcBef>
+              <a:spcAft>
+                <a:spcPct val="35000"/>
+              </a:spcAft>
+            </a:pPr>
+            <a:r>
+              <a:rPr lang="en-US" sz="1600" dirty="0">
+                <a:solidFill>
+                  <a:schemeClr val="bg1"/>
+                </a:solidFill>
+                <a:latin typeface="Montserrat Black" panose="00000A00000000000000" pitchFamily="2" charset="0"/>
+              </a:rPr>
+              <a:t>Analytics</a:t>
+            </a:r>
+          </a:p>
+        </p:txBody>
+      </p:sp>
+      <p:cxnSp>
+        <p:nvCxnSpPr>
+          <p:cNvPr id="33" name="Straight Connector 32">
+            <a:extLst>
+              <a:ext uri="{FF2B5EF4-FFF2-40B4-BE49-F238E27FC236}">
+                <a16:creationId xmlns:a16="http://schemas.microsoft.com/office/drawing/2014/main" id="{608E3995-CF72-4925-B7EE-8B580FC66ECD}"/>
+              </a:ext>
+            </a:extLst>
+          </p:cNvPr>
+          <p:cNvCxnSpPr>
+            <a:cxnSpLocks/>
+          </p:cNvCxnSpPr>
+          <p:nvPr/>
+        </p:nvCxnSpPr>
+        <p:spPr>
+          <a:xfrm>
+            <a:off x="3371088" y="1077532"/>
+            <a:ext cx="0" cy="2651760"/>
+          </a:xfrm>
+          <a:prstGeom prst="line">
+            <a:avLst/>
+          </a:prstGeom>
+          <a:ln w="9525">
+            <a:solidFill>
+              <a:schemeClr val="accent2"/>
+            </a:solidFill>
+          </a:ln>
+        </p:spPr>
+        <p:style>
+          <a:lnRef idx="1">
+            <a:schemeClr val="accent1"/>
+          </a:lnRef>
+          <a:fillRef idx="0">
+            <a:schemeClr val="accent1"/>
+          </a:fillRef>
+          <a:effectRef idx="0">
+            <a:schemeClr val="accent1"/>
+          </a:effectRef>
+          <a:fontRef idx="minor">
+            <a:schemeClr val="tx1"/>
+          </a:fontRef>
+        </p:style>
+      </p:cxnSp>
+      <p:sp>
+        <p:nvSpPr>
+          <p:cNvPr id="37" name="Rectangle: Rounded Corners 36">
+            <a:extLst>
+              <a:ext uri="{FF2B5EF4-FFF2-40B4-BE49-F238E27FC236}">
+                <a16:creationId xmlns:a16="http://schemas.microsoft.com/office/drawing/2014/main" id="{7D09BF21-CDCA-49CB-97F3-397D947B6AF6}"/>
+              </a:ext>
+            </a:extLst>
+          </p:cNvPr>
+          <p:cNvSpPr/>
+          <p:nvPr/>
+        </p:nvSpPr>
+        <p:spPr>
+          <a:xfrm>
+            <a:off x="6440424" y="795528"/>
+            <a:ext cx="2941319" cy="564008"/>
+          </a:xfrm>
+          <a:prstGeom prst="roundRect">
+            <a:avLst>
+              <a:gd name="adj" fmla="val 3697"/>
+            </a:avLst>
+          </a:prstGeom>
+          <a:solidFill>
+            <a:schemeClr val="accent3">
+              <a:alpha val="92000"/>
+            </a:schemeClr>
+          </a:solidFill>
+          <a:ln>
+            <a:noFill/>
+          </a:ln>
+        </p:spPr>
+        <p:style>
+          <a:lnRef idx="2">
+            <a:schemeClr val="lt1">
+              <a:hueOff val="0"/>
+              <a:satOff val="0"/>
+              <a:lumOff val="0"/>
+              <a:alphaOff val="0"/>
+            </a:schemeClr>
+          </a:lnRef>
+          <a:fillRef idx="1">
+            <a:schemeClr val="accent1">
+              <a:alpha val="50000"/>
+              <a:hueOff val="0"/>
+              <a:satOff val="0"/>
+              <a:lumOff val="0"/>
+              <a:alphaOff val="0"/>
+            </a:schemeClr>
+          </a:fillRef>
+          <a:effectRef idx="0">
+            <a:schemeClr val="accent1">
+              <a:alpha val="50000"/>
+              <a:hueOff val="0"/>
+              <a:satOff val="0"/>
+              <a:lumOff val="0"/>
+              <a:alphaOff val="0"/>
+            </a:schemeClr>
+          </a:effectRef>
+          <a:fontRef idx="minor">
+            <a:schemeClr val="tx1"/>
+          </a:fontRef>
+        </p:style>
+        <p:txBody>
+          <a:bodyPr spcFirstLastPara="0" vert="horz" wrap="square" lIns="742426" tIns="627118" rIns="228596" bIns="465281" numCol="1" spcCol="1270" anchor="ctr" anchorCtr="0">
+            <a:noAutofit/>
+          </a:bodyPr>
+          <a:lstStyle/>
+          <a:p>
+            <a:pPr algn="ctr" defTabSz="2222500">
+              <a:lnSpc>
+                <a:spcPct val="90000"/>
+              </a:lnSpc>
+              <a:spcBef>
+                <a:spcPct val="0"/>
+              </a:spcBef>
+              <a:spcAft>
+                <a:spcPct val="35000"/>
+              </a:spcAft>
+            </a:pPr>
+            <a:endParaRPr lang="en-US" sz="4800" dirty="0"/>
+          </a:p>
+        </p:txBody>
+      </p:sp>
+      <p:sp>
+        <p:nvSpPr>
+          <p:cNvPr id="38" name="TextBox 37">
+            <a:extLst>
+              <a:ext uri="{FF2B5EF4-FFF2-40B4-BE49-F238E27FC236}">
+                <a16:creationId xmlns:a16="http://schemas.microsoft.com/office/drawing/2014/main" id="{3B03B52D-8C18-4C6B-80DB-1985DFE58EC9}"/>
+              </a:ext>
+            </a:extLst>
+          </p:cNvPr>
+          <p:cNvSpPr txBox="1"/>
+          <p:nvPr/>
+        </p:nvSpPr>
+        <p:spPr>
+          <a:xfrm>
+            <a:off x="6440424" y="925004"/>
+            <a:ext cx="2941319" cy="313932"/>
+          </a:xfrm>
+          <a:prstGeom prst="rect">
+            <a:avLst/>
+          </a:prstGeom>
+          <a:noFill/>
+        </p:spPr>
+        <p:txBody>
+          <a:bodyPr wrap="square">
+            <a:spAutoFit/>
+          </a:bodyPr>
+          <a:lstStyle/>
+          <a:p>
+            <a:pPr algn="ctr" defTabSz="2222500">
+              <a:lnSpc>
+                <a:spcPct val="90000"/>
+              </a:lnSpc>
+              <a:spcBef>
+                <a:spcPct val="0"/>
+              </a:spcBef>
+              <a:spcAft>
+                <a:spcPct val="35000"/>
+              </a:spcAft>
+            </a:pPr>
+            <a:r>
+              <a:rPr lang="en-US" sz="1600" dirty="0">
+                <a:latin typeface="Montserrat Black" panose="00000A00000000000000" pitchFamily="2" charset="0"/>
+              </a:rPr>
+              <a:t>Account Management</a:t>
+            </a:r>
+          </a:p>
+        </p:txBody>
+      </p:sp>
+      <p:cxnSp>
+        <p:nvCxnSpPr>
+          <p:cNvPr id="40" name="Straight Connector 39">
+            <a:extLst>
+              <a:ext uri="{FF2B5EF4-FFF2-40B4-BE49-F238E27FC236}">
+                <a16:creationId xmlns:a16="http://schemas.microsoft.com/office/drawing/2014/main" id="{1F06DCD6-D047-4F9E-B47B-E3BDD2D77C6B}"/>
+              </a:ext>
+            </a:extLst>
+          </p:cNvPr>
+          <p:cNvCxnSpPr>
+            <a:cxnSpLocks/>
+          </p:cNvCxnSpPr>
+          <p:nvPr/>
+        </p:nvCxnSpPr>
+        <p:spPr>
+          <a:xfrm>
+            <a:off x="6440424" y="1077532"/>
+            <a:ext cx="0" cy="2651760"/>
+          </a:xfrm>
+          <a:prstGeom prst="line">
+            <a:avLst/>
+          </a:prstGeom>
+          <a:ln w="9525">
+            <a:solidFill>
+              <a:schemeClr val="accent3"/>
+            </a:solidFill>
+          </a:ln>
+        </p:spPr>
+        <p:style>
+          <a:lnRef idx="1">
+            <a:schemeClr val="accent1"/>
+          </a:lnRef>
+          <a:fillRef idx="0">
+            <a:schemeClr val="accent1"/>
+          </a:fillRef>
+          <a:effectRef idx="0">
+            <a:schemeClr val="accent1"/>
+          </a:effectRef>
+          <a:fontRef idx="minor">
+            <a:schemeClr val="tx1"/>
+          </a:fontRef>
+        </p:style>
+      </p:cxnSp>
+      <p:sp>
+        <p:nvSpPr>
+          <p:cNvPr id="41" name="TextBox 40">
+            <a:extLst>
+              <a:ext uri="{FF2B5EF4-FFF2-40B4-BE49-F238E27FC236}">
+                <a16:creationId xmlns:a16="http://schemas.microsoft.com/office/drawing/2014/main" id="{342FCA2B-F03C-482F-9775-83494DAB2F21}"/>
+              </a:ext>
+            </a:extLst>
+          </p:cNvPr>
+          <p:cNvSpPr txBox="1"/>
+          <p:nvPr/>
+        </p:nvSpPr>
+        <p:spPr>
+          <a:xfrm>
+            <a:off x="329180" y="1470724"/>
+            <a:ext cx="3023613" cy="1954381"/>
+          </a:xfrm>
+          <a:prstGeom prst="rect">
+            <a:avLst/>
+          </a:prstGeom>
+          <a:noFill/>
+          <a:ln>
+            <a:noFill/>
+          </a:ln>
+        </p:spPr>
+        <p:txBody>
+          <a:bodyPr wrap="square" rtlCol="0">
+            <a:spAutoFit/>
+          </a:bodyPr>
+          <a:lstStyle/>
+          <a:p>
+            <a:pPr marL="171450" indent="-171450">
+              <a:buClr>
+                <a:schemeClr val="bg1">
+                  <a:lumMod val="50000"/>
+                </a:schemeClr>
+              </a:buClr>
+              <a:buFont typeface="Arial" panose="020B0604020202020204" pitchFamily="34" charset="0"/>
+              <a:buChar char="•"/>
+            </a:pPr>
+            <a:r>
+              <a:rPr lang="en-US" sz="1100" dirty="0">
+                <a:solidFill>
+                  <a:schemeClr val="tx1">
+                    <a:lumMod val="65000"/>
+                    <a:lumOff val="35000"/>
+                  </a:schemeClr>
+                </a:solidFill>
+                <a:latin typeface="Work Sans Light" pitchFamily="2" charset="0"/>
+                <a:cs typeface="Arial" panose="020B0604020202020204" pitchFamily="34" charset="0"/>
+              </a:rPr>
+              <a:t>Leverage agile frameworks for constant incremental product improvements</a:t>
+            </a:r>
+          </a:p>
+          <a:p>
+            <a:pPr marL="171450" indent="-171450">
+              <a:buClr>
+                <a:schemeClr val="bg1">
+                  <a:lumMod val="50000"/>
+                </a:schemeClr>
+              </a:buClr>
+              <a:buFont typeface="Arial" panose="020B0604020202020204" pitchFamily="34" charset="0"/>
+              <a:buChar char="•"/>
+            </a:pPr>
+            <a:endParaRPr lang="en-US" sz="1100" dirty="0">
+              <a:solidFill>
+                <a:schemeClr val="tx1">
+                  <a:lumMod val="65000"/>
+                  <a:lumOff val="35000"/>
+                </a:schemeClr>
+              </a:solidFill>
+              <a:latin typeface="Work Sans Light" pitchFamily="2" charset="0"/>
+              <a:cs typeface="Arial" panose="020B0604020202020204" pitchFamily="34" charset="0"/>
+            </a:endParaRPr>
+          </a:p>
+          <a:p>
+            <a:pPr marL="171450" indent="-171450">
+              <a:buClr>
+                <a:schemeClr val="bg1">
+                  <a:lumMod val="50000"/>
+                </a:schemeClr>
+              </a:buClr>
+              <a:buFont typeface="Arial" panose="020B0604020202020204" pitchFamily="34" charset="0"/>
+              <a:buChar char="•"/>
+            </a:pPr>
+            <a:r>
+              <a:rPr lang="en-US" sz="1100" dirty="0">
+                <a:solidFill>
+                  <a:schemeClr val="tx1">
+                    <a:lumMod val="65000"/>
+                    <a:lumOff val="35000"/>
+                  </a:schemeClr>
+                </a:solidFill>
+                <a:latin typeface="Work Sans Light" pitchFamily="2" charset="0"/>
+                <a:cs typeface="Arial" panose="020B0604020202020204" pitchFamily="34" charset="0"/>
+              </a:rPr>
+              <a:t>Turn user stories into technical requirements</a:t>
+            </a:r>
+          </a:p>
+          <a:p>
+            <a:pPr marL="171450" indent="-171450">
+              <a:buClr>
+                <a:schemeClr val="bg1">
+                  <a:lumMod val="50000"/>
+                </a:schemeClr>
+              </a:buClr>
+              <a:buFont typeface="Arial" panose="020B0604020202020204" pitchFamily="34" charset="0"/>
+              <a:buChar char="•"/>
+            </a:pPr>
+            <a:endParaRPr lang="en-US" sz="1100" dirty="0">
+              <a:solidFill>
+                <a:schemeClr val="tx1">
+                  <a:lumMod val="65000"/>
+                  <a:lumOff val="35000"/>
+                </a:schemeClr>
+              </a:solidFill>
+              <a:latin typeface="Work Sans Light" pitchFamily="2" charset="0"/>
+            </a:endParaRPr>
+          </a:p>
+          <a:p>
+            <a:pPr marL="171450" indent="-171450">
+              <a:buClr>
+                <a:schemeClr val="bg1">
+                  <a:lumMod val="50000"/>
+                </a:schemeClr>
+              </a:buClr>
+              <a:buFont typeface="Arial" panose="020B0604020202020204" pitchFamily="34" charset="0"/>
+              <a:buChar char="•"/>
+            </a:pPr>
+            <a:r>
+              <a:rPr lang="en-US" sz="1100" dirty="0">
+                <a:solidFill>
+                  <a:schemeClr val="tx1">
+                    <a:lumMod val="65000"/>
+                    <a:lumOff val="35000"/>
+                  </a:schemeClr>
+                </a:solidFill>
+                <a:latin typeface="Work Sans Light" pitchFamily="2" charset="0"/>
+              </a:rPr>
+              <a:t>Entrepreneurial spirit toward innovation and ownership of product</a:t>
+            </a:r>
+          </a:p>
+          <a:p>
+            <a:pPr marL="171450" indent="-171450">
+              <a:buClr>
+                <a:schemeClr val="bg1">
+                  <a:lumMod val="50000"/>
+                </a:schemeClr>
+              </a:buClr>
+              <a:buFont typeface="Arial" panose="020B0604020202020204" pitchFamily="34" charset="0"/>
+              <a:buChar char="•"/>
+            </a:pPr>
+            <a:endParaRPr lang="en-US" sz="1100" dirty="0">
+              <a:solidFill>
+                <a:schemeClr val="tx1">
+                  <a:lumMod val="65000"/>
+                  <a:lumOff val="35000"/>
+                </a:schemeClr>
+              </a:solidFill>
+              <a:latin typeface="Work Sans Light" pitchFamily="2" charset="0"/>
+            </a:endParaRPr>
+          </a:p>
+          <a:p>
+            <a:pPr marL="171450" indent="-171450">
+              <a:buClr>
+                <a:schemeClr val="bg1">
+                  <a:lumMod val="50000"/>
+                </a:schemeClr>
+              </a:buClr>
+              <a:buFont typeface="Arial" panose="020B0604020202020204" pitchFamily="34" charset="0"/>
+              <a:buChar char="•"/>
+            </a:pPr>
+            <a:r>
+              <a:rPr lang="en-US" sz="1100" dirty="0">
+                <a:solidFill>
+                  <a:schemeClr val="tx1">
+                    <a:lumMod val="65000"/>
+                    <a:lumOff val="35000"/>
+                  </a:schemeClr>
+                </a:solidFill>
+                <a:latin typeface="Work Sans Light" pitchFamily="2" charset="0"/>
+              </a:rPr>
+              <a:t>Serve as SME in collaboration with cross-functional departments </a:t>
+            </a:r>
+          </a:p>
+        </p:txBody>
+      </p:sp>
+      <p:sp>
+        <p:nvSpPr>
+          <p:cNvPr id="44" name="TextBox 43">
+            <a:extLst>
+              <a:ext uri="{FF2B5EF4-FFF2-40B4-BE49-F238E27FC236}">
+                <a16:creationId xmlns:a16="http://schemas.microsoft.com/office/drawing/2014/main" id="{658ED8FA-4241-451A-AEA3-89B263E73DBC}"/>
+              </a:ext>
+            </a:extLst>
+          </p:cNvPr>
+          <p:cNvSpPr txBox="1"/>
+          <p:nvPr/>
+        </p:nvSpPr>
+        <p:spPr>
+          <a:xfrm>
+            <a:off x="3371090" y="1470724"/>
+            <a:ext cx="3023613" cy="2123658"/>
+          </a:xfrm>
+          <a:prstGeom prst="rect">
+            <a:avLst/>
+          </a:prstGeom>
+          <a:noFill/>
+          <a:ln>
+            <a:noFill/>
+          </a:ln>
+        </p:spPr>
+        <p:txBody>
+          <a:bodyPr wrap="square" rtlCol="0">
+            <a:spAutoFit/>
+          </a:bodyPr>
+          <a:lstStyle/>
+          <a:p>
+            <a:pPr marL="171450" indent="-171450">
+              <a:buClr>
+                <a:schemeClr val="bg1">
+                  <a:lumMod val="50000"/>
+                </a:schemeClr>
+              </a:buClr>
+              <a:buFont typeface="Arial" panose="020B0604020202020204" pitchFamily="34" charset="0"/>
+              <a:buChar char="•"/>
+            </a:pPr>
+            <a:r>
+              <a:rPr lang="en-US" sz="1100" dirty="0">
+                <a:solidFill>
+                  <a:schemeClr val="tx1">
+                    <a:lumMod val="65000"/>
+                    <a:lumOff val="35000"/>
+                  </a:schemeClr>
+                </a:solidFill>
+                <a:latin typeface="Work Sans Light" pitchFamily="2" charset="0"/>
+                <a:cs typeface="Arial" panose="020B0604020202020204" pitchFamily="34" charset="0"/>
+              </a:rPr>
+              <a:t>Build ETL pipelines for managing large and complex data sets</a:t>
+            </a:r>
+          </a:p>
+          <a:p>
+            <a:pPr marL="171450" indent="-171450">
+              <a:buClr>
+                <a:schemeClr val="bg1">
+                  <a:lumMod val="50000"/>
+                </a:schemeClr>
+              </a:buClr>
+              <a:buFont typeface="Arial" panose="020B0604020202020204" pitchFamily="34" charset="0"/>
+              <a:buChar char="•"/>
+            </a:pPr>
+            <a:endParaRPr lang="en-US" sz="1100" dirty="0">
+              <a:solidFill>
+                <a:schemeClr val="tx1">
+                  <a:lumMod val="65000"/>
+                  <a:lumOff val="35000"/>
+                </a:schemeClr>
+              </a:solidFill>
+              <a:latin typeface="Work Sans Light" pitchFamily="2" charset="0"/>
+              <a:cs typeface="Arial" panose="020B0604020202020204" pitchFamily="34" charset="0"/>
+            </a:endParaRPr>
+          </a:p>
+          <a:p>
+            <a:pPr marL="171450" indent="-171450">
+              <a:buClr>
+                <a:schemeClr val="bg1">
+                  <a:lumMod val="50000"/>
+                </a:schemeClr>
+              </a:buClr>
+              <a:buFont typeface="Arial" panose="020B0604020202020204" pitchFamily="34" charset="0"/>
+              <a:buChar char="•"/>
+            </a:pPr>
+            <a:r>
+              <a:rPr lang="en-US" sz="1100" dirty="0">
+                <a:solidFill>
+                  <a:schemeClr val="tx1">
+                    <a:lumMod val="65000"/>
+                    <a:lumOff val="35000"/>
+                  </a:schemeClr>
+                </a:solidFill>
+                <a:latin typeface="Work Sans Light" pitchFamily="2" charset="0"/>
+                <a:cs typeface="Arial" panose="020B0604020202020204" pitchFamily="34" charset="0"/>
+              </a:rPr>
+              <a:t>Technically capable with SQL, Python, Advanced Excel, and BI Tools</a:t>
+            </a:r>
+          </a:p>
+          <a:p>
+            <a:pPr marL="171450" indent="-171450">
+              <a:buClr>
+                <a:schemeClr val="bg1">
+                  <a:lumMod val="50000"/>
+                </a:schemeClr>
+              </a:buClr>
+              <a:buFont typeface="Arial" panose="020B0604020202020204" pitchFamily="34" charset="0"/>
+              <a:buChar char="•"/>
+            </a:pPr>
+            <a:endParaRPr lang="en-US" sz="1100" dirty="0">
+              <a:solidFill>
+                <a:schemeClr val="tx1">
+                  <a:lumMod val="65000"/>
+                  <a:lumOff val="35000"/>
+                </a:schemeClr>
+              </a:solidFill>
+              <a:latin typeface="Work Sans Light" pitchFamily="2" charset="0"/>
+              <a:cs typeface="Arial" panose="020B0604020202020204" pitchFamily="34" charset="0"/>
+            </a:endParaRPr>
+          </a:p>
+          <a:p>
+            <a:pPr marL="171450" indent="-171450">
+              <a:buClr>
+                <a:schemeClr val="bg1">
+                  <a:lumMod val="50000"/>
+                </a:schemeClr>
+              </a:buClr>
+              <a:buFont typeface="Arial" panose="020B0604020202020204" pitchFamily="34" charset="0"/>
+              <a:buChar char="•"/>
+            </a:pPr>
+            <a:r>
+              <a:rPr lang="en-US" sz="1100" dirty="0">
+                <a:solidFill>
+                  <a:schemeClr val="tx1">
+                    <a:lumMod val="65000"/>
+                    <a:lumOff val="35000"/>
+                  </a:schemeClr>
+                </a:solidFill>
+                <a:latin typeface="Work Sans Light" pitchFamily="2" charset="0"/>
+                <a:cs typeface="Arial" panose="020B0604020202020204" pitchFamily="34" charset="0"/>
+              </a:rPr>
+              <a:t>Experience with diverse data sets including sales, consumer, transaction, category, and other data types</a:t>
+            </a:r>
+          </a:p>
+          <a:p>
+            <a:pPr marL="171450" indent="-171450">
+              <a:buClr>
+                <a:schemeClr val="bg1">
+                  <a:lumMod val="50000"/>
+                </a:schemeClr>
+              </a:buClr>
+              <a:buFont typeface="Arial" panose="020B0604020202020204" pitchFamily="34" charset="0"/>
+              <a:buChar char="•"/>
+            </a:pPr>
+            <a:endParaRPr lang="en-US" sz="1100" dirty="0">
+              <a:solidFill>
+                <a:schemeClr val="tx1">
+                  <a:lumMod val="65000"/>
+                  <a:lumOff val="35000"/>
+                </a:schemeClr>
+              </a:solidFill>
+              <a:latin typeface="Work Sans Light" pitchFamily="2" charset="0"/>
+              <a:cs typeface="Arial" panose="020B0604020202020204" pitchFamily="34" charset="0"/>
+            </a:endParaRPr>
+          </a:p>
+          <a:p>
+            <a:pPr marL="171450" indent="-171450">
+              <a:buClr>
+                <a:schemeClr val="bg1">
+                  <a:lumMod val="50000"/>
+                </a:schemeClr>
+              </a:buClr>
+              <a:buFont typeface="Arial" panose="020B0604020202020204" pitchFamily="34" charset="0"/>
+              <a:buChar char="•"/>
+            </a:pPr>
+            <a:r>
+              <a:rPr lang="en-US" sz="1100" dirty="0">
+                <a:solidFill>
+                  <a:schemeClr val="tx1">
+                    <a:lumMod val="65000"/>
+                    <a:lumOff val="35000"/>
+                  </a:schemeClr>
+                </a:solidFill>
+                <a:latin typeface="Work Sans Light" pitchFamily="2" charset="0"/>
+                <a:cs typeface="Arial" panose="020B0604020202020204" pitchFamily="34" charset="0"/>
+              </a:rPr>
+              <a:t>Turn data into actionable insights for internal and external stakeholders</a:t>
+            </a:r>
+            <a:endParaRPr lang="en-US" sz="1100" dirty="0">
+              <a:solidFill>
+                <a:schemeClr val="tx1">
+                  <a:lumMod val="65000"/>
+                  <a:lumOff val="35000"/>
+                </a:schemeClr>
+              </a:solidFill>
+              <a:latin typeface="Work Sans Light" pitchFamily="2" charset="0"/>
+            </a:endParaRPr>
+          </a:p>
+        </p:txBody>
+      </p:sp>
+      <p:sp>
+        <p:nvSpPr>
+          <p:cNvPr id="46" name="TextBox 45">
+            <a:extLst>
+              <a:ext uri="{FF2B5EF4-FFF2-40B4-BE49-F238E27FC236}">
+                <a16:creationId xmlns:a16="http://schemas.microsoft.com/office/drawing/2014/main" id="{4DEF2FFD-909D-4787-A97B-D0E556320FBF}"/>
+              </a:ext>
+            </a:extLst>
+          </p:cNvPr>
+          <p:cNvSpPr txBox="1"/>
+          <p:nvPr/>
+        </p:nvSpPr>
+        <p:spPr>
+          <a:xfrm>
+            <a:off x="6440426" y="1470724"/>
+            <a:ext cx="3023613" cy="2631490"/>
+          </a:xfrm>
+          <a:prstGeom prst="rect">
+            <a:avLst/>
+          </a:prstGeom>
+          <a:noFill/>
+          <a:ln>
+            <a:noFill/>
+          </a:ln>
+        </p:spPr>
+        <p:txBody>
+          <a:bodyPr wrap="square" rtlCol="0">
+            <a:spAutoFit/>
+          </a:bodyPr>
+          <a:lstStyle/>
+          <a:p>
+            <a:pPr marL="171450" indent="-171450">
+              <a:buClr>
+                <a:schemeClr val="bg1">
+                  <a:lumMod val="50000"/>
+                </a:schemeClr>
+              </a:buClr>
+              <a:buFont typeface="Arial" panose="020B0604020202020204" pitchFamily="34" charset="0"/>
+              <a:buChar char="•"/>
+            </a:pPr>
+            <a:r>
+              <a:rPr lang="en-US" sz="1100" dirty="0">
+                <a:solidFill>
+                  <a:schemeClr val="tx1">
+                    <a:lumMod val="65000"/>
+                    <a:lumOff val="35000"/>
+                  </a:schemeClr>
+                </a:solidFill>
+                <a:latin typeface="Work Sans Light" pitchFamily="2" charset="0"/>
+                <a:cs typeface="Arial" panose="020B0604020202020204" pitchFamily="34" charset="0"/>
+              </a:rPr>
+              <a:t>Build strong relationships with customer and vendor contacts</a:t>
+            </a:r>
+          </a:p>
+          <a:p>
+            <a:pPr marL="171450" indent="-171450">
+              <a:buClr>
+                <a:schemeClr val="bg1">
+                  <a:lumMod val="50000"/>
+                </a:schemeClr>
+              </a:buClr>
+              <a:buFont typeface="Arial" panose="020B0604020202020204" pitchFamily="34" charset="0"/>
+              <a:buChar char="•"/>
+            </a:pPr>
+            <a:endParaRPr lang="en-US" sz="1100" dirty="0">
+              <a:solidFill>
+                <a:schemeClr val="tx1">
+                  <a:lumMod val="65000"/>
+                  <a:lumOff val="35000"/>
+                </a:schemeClr>
+              </a:solidFill>
+              <a:latin typeface="Work Sans Light" pitchFamily="2" charset="0"/>
+              <a:cs typeface="Arial" panose="020B0604020202020204" pitchFamily="34" charset="0"/>
+            </a:endParaRPr>
+          </a:p>
+          <a:p>
+            <a:pPr marL="171450" indent="-171450">
+              <a:buClr>
+                <a:schemeClr val="bg1">
+                  <a:lumMod val="50000"/>
+                </a:schemeClr>
+              </a:buClr>
+              <a:buFont typeface="Arial" panose="020B0604020202020204" pitchFamily="34" charset="0"/>
+              <a:buChar char="•"/>
+            </a:pPr>
+            <a:r>
+              <a:rPr lang="en-US" sz="1100" dirty="0">
+                <a:solidFill>
+                  <a:schemeClr val="tx1">
+                    <a:lumMod val="65000"/>
+                    <a:lumOff val="35000"/>
+                  </a:schemeClr>
+                </a:solidFill>
+                <a:latin typeface="Work Sans Light" pitchFamily="2" charset="0"/>
+                <a:cs typeface="Arial" panose="020B0604020202020204" pitchFamily="34" charset="0"/>
+              </a:rPr>
+              <a:t>Ability to decompose the ask and provide solutions for addressing client needs</a:t>
+            </a:r>
+          </a:p>
+          <a:p>
+            <a:pPr marL="171450" indent="-171450">
+              <a:buClr>
+                <a:schemeClr val="bg1">
+                  <a:lumMod val="50000"/>
+                </a:schemeClr>
+              </a:buClr>
+              <a:buFont typeface="Arial" panose="020B0604020202020204" pitchFamily="34" charset="0"/>
+              <a:buChar char="•"/>
+            </a:pPr>
+            <a:endParaRPr lang="en-US" sz="1100" dirty="0">
+              <a:solidFill>
+                <a:schemeClr val="tx1">
+                  <a:lumMod val="65000"/>
+                  <a:lumOff val="35000"/>
+                </a:schemeClr>
+              </a:solidFill>
+              <a:latin typeface="Work Sans Light" pitchFamily="2" charset="0"/>
+              <a:cs typeface="Arial" panose="020B0604020202020204" pitchFamily="34" charset="0"/>
+            </a:endParaRPr>
+          </a:p>
+          <a:p>
+            <a:pPr marL="171450" indent="-171450">
+              <a:buClr>
+                <a:schemeClr val="bg1">
+                  <a:lumMod val="50000"/>
+                </a:schemeClr>
+              </a:buClr>
+              <a:buFont typeface="Arial" panose="020B0604020202020204" pitchFamily="34" charset="0"/>
+              <a:buChar char="•"/>
+            </a:pPr>
+            <a:r>
+              <a:rPr lang="en-US" sz="1100" dirty="0">
+                <a:solidFill>
+                  <a:schemeClr val="tx1">
+                    <a:lumMod val="65000"/>
+                    <a:lumOff val="35000"/>
+                  </a:schemeClr>
+                </a:solidFill>
+                <a:latin typeface="Work Sans Light" pitchFamily="2" charset="0"/>
+                <a:cs typeface="Arial" panose="020B0604020202020204" pitchFamily="34" charset="0"/>
+              </a:rPr>
+              <a:t>Create user stories from users and transform them into features</a:t>
+            </a:r>
+          </a:p>
+          <a:p>
+            <a:pPr marL="171450" indent="-171450">
+              <a:buClr>
+                <a:schemeClr val="bg1">
+                  <a:lumMod val="50000"/>
+                </a:schemeClr>
+              </a:buClr>
+              <a:buFont typeface="Arial" panose="020B0604020202020204" pitchFamily="34" charset="0"/>
+              <a:buChar char="•"/>
+            </a:pPr>
+            <a:endParaRPr lang="en-US" sz="1100" dirty="0">
+              <a:solidFill>
+                <a:schemeClr val="tx1">
+                  <a:lumMod val="65000"/>
+                  <a:lumOff val="35000"/>
+                </a:schemeClr>
+              </a:solidFill>
+              <a:latin typeface="Work Sans Light" pitchFamily="2" charset="0"/>
+              <a:cs typeface="Arial" panose="020B0604020202020204" pitchFamily="34" charset="0"/>
+            </a:endParaRPr>
+          </a:p>
+          <a:p>
+            <a:pPr marL="171450" indent="-171450">
+              <a:buClr>
+                <a:schemeClr val="bg1">
+                  <a:lumMod val="50000"/>
+                </a:schemeClr>
+              </a:buClr>
+              <a:buFont typeface="Arial" panose="020B0604020202020204" pitchFamily="34" charset="0"/>
+              <a:buChar char="•"/>
+            </a:pPr>
+            <a:r>
+              <a:rPr lang="en-US" sz="1100" dirty="0">
+                <a:solidFill>
+                  <a:schemeClr val="tx1">
+                    <a:lumMod val="65000"/>
+                    <a:lumOff val="35000"/>
+                  </a:schemeClr>
+                </a:solidFill>
+                <a:latin typeface="Work Sans Light" pitchFamily="2" charset="0"/>
+                <a:cs typeface="Arial" panose="020B0604020202020204" pitchFamily="34" charset="0"/>
+              </a:rPr>
+              <a:t>Manage difficult conversations, resolving conflicts to strengthen customers relationships</a:t>
+            </a:r>
+          </a:p>
+          <a:p>
+            <a:pPr marL="171450" indent="-171450">
+              <a:buClr>
+                <a:schemeClr val="bg1">
+                  <a:lumMod val="50000"/>
+                </a:schemeClr>
+              </a:buClr>
+              <a:buFont typeface="Arial" panose="020B0604020202020204" pitchFamily="34" charset="0"/>
+              <a:buChar char="•"/>
+            </a:pPr>
+            <a:endParaRPr lang="en-US" sz="1100" dirty="0">
+              <a:solidFill>
+                <a:schemeClr val="tx1">
+                  <a:lumMod val="65000"/>
+                  <a:lumOff val="35000"/>
+                </a:schemeClr>
+              </a:solidFill>
+              <a:latin typeface="Work Sans Light" pitchFamily="2" charset="0"/>
+              <a:cs typeface="Arial" panose="020B0604020202020204" pitchFamily="34" charset="0"/>
+            </a:endParaRPr>
+          </a:p>
+          <a:p>
+            <a:pPr marL="171450" indent="-171450">
+              <a:buClr>
+                <a:schemeClr val="bg1">
+                  <a:lumMod val="50000"/>
+                </a:schemeClr>
+              </a:buClr>
+              <a:buFont typeface="Arial" panose="020B0604020202020204" pitchFamily="34" charset="0"/>
+              <a:buChar char="•"/>
+            </a:pPr>
+            <a:endParaRPr lang="en-US" sz="1100" dirty="0">
+              <a:solidFill>
+                <a:schemeClr val="tx1">
+                  <a:lumMod val="65000"/>
+                  <a:lumOff val="35000"/>
+                </a:schemeClr>
+              </a:solidFill>
+              <a:latin typeface="Work Sans Light" pitchFamily="2" charset="0"/>
+            </a:endParaRPr>
+          </a:p>
+        </p:txBody>
+      </p:sp>
+    </p:spTree>
+    <p:extLst>
+      <p:ext uri="{BB962C8B-B14F-4D97-AF65-F5344CB8AC3E}">
+        <p14:creationId xmlns:p14="http://schemas.microsoft.com/office/powerpoint/2010/main" val="358922135"/>
+      </p:ext>
+    </p:extLst>
+  </p:cSld>
+  <p:clrMapOvr>
+    <a:masterClrMapping/>
+  </p:clrMapOvr>
+</p:sld>
+</file>
+
 <file path=ppt/theme/theme1.xml><?xml version="1.0" encoding="utf-8"?>
 <a:theme xmlns:a="http://schemas.openxmlformats.org/drawingml/2006/main" name="Office Theme">
   <a:themeElements>

--- a/images/Images Creations (Venn Tools).pptx
+++ b/images/Images Creations (Venn Tools).pptx
@@ -288,7 +288,7 @@
           <a:p>
             <a:fld id="{FE399230-328D-4161-A7A8-412A0F28ED17}" type="datetimeFigureOut">
               <a:rPr lang="en-US" smtClean="0"/>
-              <a:t>3/5/2021</a:t>
+              <a:t>3/7/2021</a:t>
             </a:fld>
             <a:endParaRPr lang="en-US" dirty="0"/>
           </a:p>
@@ -486,7 +486,7 @@
           <a:p>
             <a:fld id="{FE399230-328D-4161-A7A8-412A0F28ED17}" type="datetimeFigureOut">
               <a:rPr lang="en-US" smtClean="0"/>
-              <a:t>3/5/2021</a:t>
+              <a:t>3/7/2021</a:t>
             </a:fld>
             <a:endParaRPr lang="en-US" dirty="0"/>
           </a:p>
@@ -694,7 +694,7 @@
           <a:p>
             <a:fld id="{FE399230-328D-4161-A7A8-412A0F28ED17}" type="datetimeFigureOut">
               <a:rPr lang="en-US" smtClean="0"/>
-              <a:t>3/5/2021</a:t>
+              <a:t>3/7/2021</a:t>
             </a:fld>
             <a:endParaRPr lang="en-US" dirty="0"/>
           </a:p>
@@ -892,7 +892,7 @@
           <a:p>
             <a:fld id="{FE399230-328D-4161-A7A8-412A0F28ED17}" type="datetimeFigureOut">
               <a:rPr lang="en-US" smtClean="0"/>
-              <a:t>3/5/2021</a:t>
+              <a:t>3/7/2021</a:t>
             </a:fld>
             <a:endParaRPr lang="en-US" dirty="0"/>
           </a:p>
@@ -1167,7 +1167,7 @@
           <a:p>
             <a:fld id="{FE399230-328D-4161-A7A8-412A0F28ED17}" type="datetimeFigureOut">
               <a:rPr lang="en-US" smtClean="0"/>
-              <a:t>3/5/2021</a:t>
+              <a:t>3/7/2021</a:t>
             </a:fld>
             <a:endParaRPr lang="en-US" dirty="0"/>
           </a:p>
@@ -1432,7 +1432,7 @@
           <a:p>
             <a:fld id="{FE399230-328D-4161-A7A8-412A0F28ED17}" type="datetimeFigureOut">
               <a:rPr lang="en-US" smtClean="0"/>
-              <a:t>3/5/2021</a:t>
+              <a:t>3/7/2021</a:t>
             </a:fld>
             <a:endParaRPr lang="en-US" dirty="0"/>
           </a:p>
@@ -1844,7 +1844,7 @@
           <a:p>
             <a:fld id="{FE399230-328D-4161-A7A8-412A0F28ED17}" type="datetimeFigureOut">
               <a:rPr lang="en-US" smtClean="0"/>
-              <a:t>3/5/2021</a:t>
+              <a:t>3/7/2021</a:t>
             </a:fld>
             <a:endParaRPr lang="en-US" dirty="0"/>
           </a:p>
@@ -1985,7 +1985,7 @@
           <a:p>
             <a:fld id="{FE399230-328D-4161-A7A8-412A0F28ED17}" type="datetimeFigureOut">
               <a:rPr lang="en-US" smtClean="0"/>
-              <a:t>3/5/2021</a:t>
+              <a:t>3/7/2021</a:t>
             </a:fld>
             <a:endParaRPr lang="en-US" dirty="0"/>
           </a:p>
@@ -2098,7 +2098,7 @@
           <a:p>
             <a:fld id="{FE399230-328D-4161-A7A8-412A0F28ED17}" type="datetimeFigureOut">
               <a:rPr lang="en-US" smtClean="0"/>
-              <a:t>3/5/2021</a:t>
+              <a:t>3/7/2021</a:t>
             </a:fld>
             <a:endParaRPr lang="en-US" dirty="0"/>
           </a:p>
@@ -2409,7 +2409,7 @@
           <a:p>
             <a:fld id="{FE399230-328D-4161-A7A8-412A0F28ED17}" type="datetimeFigureOut">
               <a:rPr lang="en-US" smtClean="0"/>
-              <a:t>3/5/2021</a:t>
+              <a:t>3/7/2021</a:t>
             </a:fld>
             <a:endParaRPr lang="en-US" dirty="0"/>
           </a:p>
@@ -2697,7 +2697,7 @@
           <a:p>
             <a:fld id="{FE399230-328D-4161-A7A8-412A0F28ED17}" type="datetimeFigureOut">
               <a:rPr lang="en-US" smtClean="0"/>
-              <a:t>3/5/2021</a:t>
+              <a:t>3/7/2021</a:t>
             </a:fld>
             <a:endParaRPr lang="en-US" dirty="0"/>
           </a:p>
@@ -2938,7 +2938,7 @@
           <a:p>
             <a:fld id="{FE399230-328D-4161-A7A8-412A0F28ED17}" type="datetimeFigureOut">
               <a:rPr lang="en-US" smtClean="0"/>
-              <a:t>3/5/2021</a:t>
+              <a:t>3/7/2021</a:t>
             </a:fld>
             <a:endParaRPr lang="en-US" dirty="0"/>
           </a:p>
@@ -6327,7 +6327,7 @@
                 </a:solidFill>
                 <a:latin typeface="Montserrat Black" panose="00000A00000000000000" pitchFamily="2" charset="0"/>
               </a:rPr>
-              <a:t>Analytics</a:t>
+              <a:t>Insights &amp; Analytics</a:t>
             </a:r>
           </a:p>
         </p:txBody>

--- a/images/Images Creations (Venn Tools).pptx
+++ b/images/Images Creations (Venn Tools).pptx
@@ -288,7 +288,7 @@
           <a:p>
             <a:fld id="{FE399230-328D-4161-A7A8-412A0F28ED17}" type="datetimeFigureOut">
               <a:rPr lang="en-US" smtClean="0"/>
-              <a:t>3/7/2021</a:t>
+              <a:t>3/8/2021</a:t>
             </a:fld>
             <a:endParaRPr lang="en-US" dirty="0"/>
           </a:p>
@@ -486,7 +486,7 @@
           <a:p>
             <a:fld id="{FE399230-328D-4161-A7A8-412A0F28ED17}" type="datetimeFigureOut">
               <a:rPr lang="en-US" smtClean="0"/>
-              <a:t>3/7/2021</a:t>
+              <a:t>3/8/2021</a:t>
             </a:fld>
             <a:endParaRPr lang="en-US" dirty="0"/>
           </a:p>
@@ -694,7 +694,7 @@
           <a:p>
             <a:fld id="{FE399230-328D-4161-A7A8-412A0F28ED17}" type="datetimeFigureOut">
               <a:rPr lang="en-US" smtClean="0"/>
-              <a:t>3/7/2021</a:t>
+              <a:t>3/8/2021</a:t>
             </a:fld>
             <a:endParaRPr lang="en-US" dirty="0"/>
           </a:p>
@@ -892,7 +892,7 @@
           <a:p>
             <a:fld id="{FE399230-328D-4161-A7A8-412A0F28ED17}" type="datetimeFigureOut">
               <a:rPr lang="en-US" smtClean="0"/>
-              <a:t>3/7/2021</a:t>
+              <a:t>3/8/2021</a:t>
             </a:fld>
             <a:endParaRPr lang="en-US" dirty="0"/>
           </a:p>
@@ -1167,7 +1167,7 @@
           <a:p>
             <a:fld id="{FE399230-328D-4161-A7A8-412A0F28ED17}" type="datetimeFigureOut">
               <a:rPr lang="en-US" smtClean="0"/>
-              <a:t>3/7/2021</a:t>
+              <a:t>3/8/2021</a:t>
             </a:fld>
             <a:endParaRPr lang="en-US" dirty="0"/>
           </a:p>
@@ -1432,7 +1432,7 @@
           <a:p>
             <a:fld id="{FE399230-328D-4161-A7A8-412A0F28ED17}" type="datetimeFigureOut">
               <a:rPr lang="en-US" smtClean="0"/>
-              <a:t>3/7/2021</a:t>
+              <a:t>3/8/2021</a:t>
             </a:fld>
             <a:endParaRPr lang="en-US" dirty="0"/>
           </a:p>
@@ -1844,7 +1844,7 @@
           <a:p>
             <a:fld id="{FE399230-328D-4161-A7A8-412A0F28ED17}" type="datetimeFigureOut">
               <a:rPr lang="en-US" smtClean="0"/>
-              <a:t>3/7/2021</a:t>
+              <a:t>3/8/2021</a:t>
             </a:fld>
             <a:endParaRPr lang="en-US" dirty="0"/>
           </a:p>
@@ -1985,7 +1985,7 @@
           <a:p>
             <a:fld id="{FE399230-328D-4161-A7A8-412A0F28ED17}" type="datetimeFigureOut">
               <a:rPr lang="en-US" smtClean="0"/>
-              <a:t>3/7/2021</a:t>
+              <a:t>3/8/2021</a:t>
             </a:fld>
             <a:endParaRPr lang="en-US" dirty="0"/>
           </a:p>
@@ -2098,7 +2098,7 @@
           <a:p>
             <a:fld id="{FE399230-328D-4161-A7A8-412A0F28ED17}" type="datetimeFigureOut">
               <a:rPr lang="en-US" smtClean="0"/>
-              <a:t>3/7/2021</a:t>
+              <a:t>3/8/2021</a:t>
             </a:fld>
             <a:endParaRPr lang="en-US" dirty="0"/>
           </a:p>
@@ -2409,7 +2409,7 @@
           <a:p>
             <a:fld id="{FE399230-328D-4161-A7A8-412A0F28ED17}" type="datetimeFigureOut">
               <a:rPr lang="en-US" smtClean="0"/>
-              <a:t>3/7/2021</a:t>
+              <a:t>3/8/2021</a:t>
             </a:fld>
             <a:endParaRPr lang="en-US" dirty="0"/>
           </a:p>
@@ -2697,7 +2697,7 @@
           <a:p>
             <a:fld id="{FE399230-328D-4161-A7A8-412A0F28ED17}" type="datetimeFigureOut">
               <a:rPr lang="en-US" smtClean="0"/>
-              <a:t>3/7/2021</a:t>
+              <a:t>3/8/2021</a:t>
             </a:fld>
             <a:endParaRPr lang="en-US" dirty="0"/>
           </a:p>
@@ -2938,7 +2938,7 @@
           <a:p>
             <a:fld id="{FE399230-328D-4161-A7A8-412A0F28ED17}" type="datetimeFigureOut">
               <a:rPr lang="en-US" smtClean="0"/>
-              <a:t>3/7/2021</a:t>
+              <a:t>3/8/2021</a:t>
             </a:fld>
             <a:endParaRPr lang="en-US" dirty="0"/>
           </a:p>
@@ -7077,7 +7077,7 @@
                 <a:latin typeface="Work Sans Light" pitchFamily="2" charset="0"/>
                 <a:cs typeface="Arial" panose="020B0604020202020204" pitchFamily="34" charset="0"/>
               </a:rPr>
-              <a:t>Create user stories from users and transform them into features</a:t>
+              <a:t>Create user stories and transform them into product features</a:t>
             </a:r>
           </a:p>
           <a:p>

--- a/images/Images Creations (Venn Tools).pptx
+++ b/images/Images Creations (Venn Tools).pptx
@@ -288,7 +288,7 @@
           <a:p>
             <a:fld id="{FE399230-328D-4161-A7A8-412A0F28ED17}" type="datetimeFigureOut">
               <a:rPr lang="en-US" smtClean="0"/>
-              <a:t>3/8/2021</a:t>
+              <a:t>3/9/2021</a:t>
             </a:fld>
             <a:endParaRPr lang="en-US" dirty="0"/>
           </a:p>
@@ -486,7 +486,7 @@
           <a:p>
             <a:fld id="{FE399230-328D-4161-A7A8-412A0F28ED17}" type="datetimeFigureOut">
               <a:rPr lang="en-US" smtClean="0"/>
-              <a:t>3/8/2021</a:t>
+              <a:t>3/9/2021</a:t>
             </a:fld>
             <a:endParaRPr lang="en-US" dirty="0"/>
           </a:p>
@@ -694,7 +694,7 @@
           <a:p>
             <a:fld id="{FE399230-328D-4161-A7A8-412A0F28ED17}" type="datetimeFigureOut">
               <a:rPr lang="en-US" smtClean="0"/>
-              <a:t>3/8/2021</a:t>
+              <a:t>3/9/2021</a:t>
             </a:fld>
             <a:endParaRPr lang="en-US" dirty="0"/>
           </a:p>
@@ -892,7 +892,7 @@
           <a:p>
             <a:fld id="{FE399230-328D-4161-A7A8-412A0F28ED17}" type="datetimeFigureOut">
               <a:rPr lang="en-US" smtClean="0"/>
-              <a:t>3/8/2021</a:t>
+              <a:t>3/9/2021</a:t>
             </a:fld>
             <a:endParaRPr lang="en-US" dirty="0"/>
           </a:p>
@@ -1167,7 +1167,7 @@
           <a:p>
             <a:fld id="{FE399230-328D-4161-A7A8-412A0F28ED17}" type="datetimeFigureOut">
               <a:rPr lang="en-US" smtClean="0"/>
-              <a:t>3/8/2021</a:t>
+              <a:t>3/9/2021</a:t>
             </a:fld>
             <a:endParaRPr lang="en-US" dirty="0"/>
           </a:p>
@@ -1432,7 +1432,7 @@
           <a:p>
             <a:fld id="{FE399230-328D-4161-A7A8-412A0F28ED17}" type="datetimeFigureOut">
               <a:rPr lang="en-US" smtClean="0"/>
-              <a:t>3/8/2021</a:t>
+              <a:t>3/9/2021</a:t>
             </a:fld>
             <a:endParaRPr lang="en-US" dirty="0"/>
           </a:p>
@@ -1844,7 +1844,7 @@
           <a:p>
             <a:fld id="{FE399230-328D-4161-A7A8-412A0F28ED17}" type="datetimeFigureOut">
               <a:rPr lang="en-US" smtClean="0"/>
-              <a:t>3/8/2021</a:t>
+              <a:t>3/9/2021</a:t>
             </a:fld>
             <a:endParaRPr lang="en-US" dirty="0"/>
           </a:p>
@@ -1985,7 +1985,7 @@
           <a:p>
             <a:fld id="{FE399230-328D-4161-A7A8-412A0F28ED17}" type="datetimeFigureOut">
               <a:rPr lang="en-US" smtClean="0"/>
-              <a:t>3/8/2021</a:t>
+              <a:t>3/9/2021</a:t>
             </a:fld>
             <a:endParaRPr lang="en-US" dirty="0"/>
           </a:p>
@@ -2098,7 +2098,7 @@
           <a:p>
             <a:fld id="{FE399230-328D-4161-A7A8-412A0F28ED17}" type="datetimeFigureOut">
               <a:rPr lang="en-US" smtClean="0"/>
-              <a:t>3/8/2021</a:t>
+              <a:t>3/9/2021</a:t>
             </a:fld>
             <a:endParaRPr lang="en-US" dirty="0"/>
           </a:p>
@@ -2409,7 +2409,7 @@
           <a:p>
             <a:fld id="{FE399230-328D-4161-A7A8-412A0F28ED17}" type="datetimeFigureOut">
               <a:rPr lang="en-US" smtClean="0"/>
-              <a:t>3/8/2021</a:t>
+              <a:t>3/9/2021</a:t>
             </a:fld>
             <a:endParaRPr lang="en-US" dirty="0"/>
           </a:p>
@@ -2697,7 +2697,7 @@
           <a:p>
             <a:fld id="{FE399230-328D-4161-A7A8-412A0F28ED17}" type="datetimeFigureOut">
               <a:rPr lang="en-US" smtClean="0"/>
-              <a:t>3/8/2021</a:t>
+              <a:t>3/9/2021</a:t>
             </a:fld>
             <a:endParaRPr lang="en-US" dirty="0"/>
           </a:p>
@@ -2938,7 +2938,7 @@
           <a:p>
             <a:fld id="{FE399230-328D-4161-A7A8-412A0F28ED17}" type="datetimeFigureOut">
               <a:rPr lang="en-US" smtClean="0"/>
-              <a:t>3/8/2021</a:t>
+              <a:t>3/9/2021</a:t>
             </a:fld>
             <a:endParaRPr lang="en-US" dirty="0"/>
           </a:p>
@@ -6122,8 +6122,8 @@
         </p:nvSpPr>
         <p:spPr>
           <a:xfrm>
-            <a:off x="329184" y="925004"/>
-            <a:ext cx="2941319" cy="313932"/>
+            <a:off x="329184" y="934416"/>
+            <a:ext cx="2941319" cy="286232"/>
           </a:xfrm>
           <a:prstGeom prst="rect">
             <a:avLst/>
@@ -6148,7 +6148,7 @@
               </a:spcAft>
             </a:pPr>
             <a:r>
-              <a:rPr lang="en-US" sz="1600" dirty="0">
+              <a:rPr lang="en-US" sz="1400" dirty="0">
                 <a:solidFill>
                   <a:schemeClr val="bg1"/>
                 </a:solidFill>
@@ -6295,8 +6295,8 @@
         </p:nvSpPr>
         <p:spPr>
           <a:xfrm>
-            <a:off x="3371088" y="925004"/>
-            <a:ext cx="2941319" cy="313932"/>
+            <a:off x="3371088" y="934416"/>
+            <a:ext cx="2941319" cy="286232"/>
           </a:xfrm>
           <a:prstGeom prst="rect">
             <a:avLst/>
@@ -6321,7 +6321,7 @@
               </a:spcAft>
             </a:pPr>
             <a:r>
-              <a:rPr lang="en-US" sz="1600" dirty="0">
+              <a:rPr lang="en-US" sz="1400" dirty="0">
                 <a:solidFill>
                   <a:schemeClr val="bg1"/>
                 </a:solidFill>
@@ -6472,8 +6472,8 @@
         </p:nvSpPr>
         <p:spPr>
           <a:xfrm>
-            <a:off x="6440424" y="925004"/>
-            <a:ext cx="2941319" cy="313932"/>
+            <a:off x="6440424" y="934416"/>
+            <a:ext cx="2941319" cy="286232"/>
           </a:xfrm>
           <a:prstGeom prst="rect">
             <a:avLst/>
@@ -6498,7 +6498,7 @@
               </a:spcAft>
             </a:pPr>
             <a:r>
-              <a:rPr lang="en-US" sz="1600" dirty="0">
+              <a:rPr lang="en-US" sz="1400" dirty="0">
                 <a:latin typeface="Montserrat Black" panose="00000A00000000000000" pitchFamily="2" charset="0"/>
               </a:rPr>
               <a:t>Account Management</a:t>

--- a/images/Images Creations (Venn Tools).pptx
+++ b/images/Images Creations (Venn Tools).pptx
@@ -8,6 +8,7 @@
     <p:sldId id="261" r:id="rId2"/>
     <p:sldId id="265" r:id="rId3"/>
     <p:sldId id="266" r:id="rId4"/>
+    <p:sldId id="267" r:id="rId5"/>
   </p:sldIdLst>
   <p:sldSz cx="12192000" cy="6858000"/>
   <p:notesSz cx="6858000" cy="9144000"/>
@@ -288,7 +289,7 @@
           <a:p>
             <a:fld id="{FE399230-328D-4161-A7A8-412A0F28ED17}" type="datetimeFigureOut">
               <a:rPr lang="en-US" smtClean="0"/>
-              <a:t>3/9/2021</a:t>
+              <a:t>3/12/2021</a:t>
             </a:fld>
             <a:endParaRPr lang="en-US" dirty="0"/>
           </a:p>
@@ -486,7 +487,7 @@
           <a:p>
             <a:fld id="{FE399230-328D-4161-A7A8-412A0F28ED17}" type="datetimeFigureOut">
               <a:rPr lang="en-US" smtClean="0"/>
-              <a:t>3/9/2021</a:t>
+              <a:t>3/12/2021</a:t>
             </a:fld>
             <a:endParaRPr lang="en-US" dirty="0"/>
           </a:p>
@@ -694,7 +695,7 @@
           <a:p>
             <a:fld id="{FE399230-328D-4161-A7A8-412A0F28ED17}" type="datetimeFigureOut">
               <a:rPr lang="en-US" smtClean="0"/>
-              <a:t>3/9/2021</a:t>
+              <a:t>3/12/2021</a:t>
             </a:fld>
             <a:endParaRPr lang="en-US" dirty="0"/>
           </a:p>
@@ -892,7 +893,7 @@
           <a:p>
             <a:fld id="{FE399230-328D-4161-A7A8-412A0F28ED17}" type="datetimeFigureOut">
               <a:rPr lang="en-US" smtClean="0"/>
-              <a:t>3/9/2021</a:t>
+              <a:t>3/12/2021</a:t>
             </a:fld>
             <a:endParaRPr lang="en-US" dirty="0"/>
           </a:p>
@@ -1167,7 +1168,7 @@
           <a:p>
             <a:fld id="{FE399230-328D-4161-A7A8-412A0F28ED17}" type="datetimeFigureOut">
               <a:rPr lang="en-US" smtClean="0"/>
-              <a:t>3/9/2021</a:t>
+              <a:t>3/12/2021</a:t>
             </a:fld>
             <a:endParaRPr lang="en-US" dirty="0"/>
           </a:p>
@@ -1432,7 +1433,7 @@
           <a:p>
             <a:fld id="{FE399230-328D-4161-A7A8-412A0F28ED17}" type="datetimeFigureOut">
               <a:rPr lang="en-US" smtClean="0"/>
-              <a:t>3/9/2021</a:t>
+              <a:t>3/12/2021</a:t>
             </a:fld>
             <a:endParaRPr lang="en-US" dirty="0"/>
           </a:p>
@@ -1844,7 +1845,7 @@
           <a:p>
             <a:fld id="{FE399230-328D-4161-A7A8-412A0F28ED17}" type="datetimeFigureOut">
               <a:rPr lang="en-US" smtClean="0"/>
-              <a:t>3/9/2021</a:t>
+              <a:t>3/12/2021</a:t>
             </a:fld>
             <a:endParaRPr lang="en-US" dirty="0"/>
           </a:p>
@@ -1985,7 +1986,7 @@
           <a:p>
             <a:fld id="{FE399230-328D-4161-A7A8-412A0F28ED17}" type="datetimeFigureOut">
               <a:rPr lang="en-US" smtClean="0"/>
-              <a:t>3/9/2021</a:t>
+              <a:t>3/12/2021</a:t>
             </a:fld>
             <a:endParaRPr lang="en-US" dirty="0"/>
           </a:p>
@@ -2098,7 +2099,7 @@
           <a:p>
             <a:fld id="{FE399230-328D-4161-A7A8-412A0F28ED17}" type="datetimeFigureOut">
               <a:rPr lang="en-US" smtClean="0"/>
-              <a:t>3/9/2021</a:t>
+              <a:t>3/12/2021</a:t>
             </a:fld>
             <a:endParaRPr lang="en-US" dirty="0"/>
           </a:p>
@@ -2409,7 +2410,7 @@
           <a:p>
             <a:fld id="{FE399230-328D-4161-A7A8-412A0F28ED17}" type="datetimeFigureOut">
               <a:rPr lang="en-US" smtClean="0"/>
-              <a:t>3/9/2021</a:t>
+              <a:t>3/12/2021</a:t>
             </a:fld>
             <a:endParaRPr lang="en-US" dirty="0"/>
           </a:p>
@@ -2697,7 +2698,7 @@
           <a:p>
             <a:fld id="{FE399230-328D-4161-A7A8-412A0F28ED17}" type="datetimeFigureOut">
               <a:rPr lang="en-US" smtClean="0"/>
-              <a:t>3/9/2021</a:t>
+              <a:t>3/12/2021</a:t>
             </a:fld>
             <a:endParaRPr lang="en-US" dirty="0"/>
           </a:p>
@@ -2938,7 +2939,7 @@
           <a:p>
             <a:fld id="{FE399230-328D-4161-A7A8-412A0F28ED17}" type="datetimeFigureOut">
               <a:rPr lang="en-US" smtClean="0"/>
-              <a:t>3/9/2021</a:t>
+              <a:t>3/12/2021</a:t>
             </a:fld>
             <a:endParaRPr lang="en-US" dirty="0"/>
           </a:p>
@@ -6176,7 +6177,7 @@
         <p:spPr>
           <a:xfrm>
             <a:off x="329184" y="1077532"/>
-            <a:ext cx="0" cy="2651760"/>
+            <a:ext cx="0" cy="2468880"/>
           </a:xfrm>
           <a:prstGeom prst="line">
             <a:avLst/>
@@ -6349,7 +6350,7 @@
         <p:spPr>
           <a:xfrm>
             <a:off x="3371088" y="1077532"/>
-            <a:ext cx="0" cy="2651760"/>
+            <a:ext cx="0" cy="2468880"/>
           </a:xfrm>
           <a:prstGeom prst="line">
             <a:avLst/>
@@ -6501,7 +6502,7 @@
               <a:rPr lang="en-US" sz="1400" dirty="0">
                 <a:latin typeface="Montserrat Black" panose="00000A00000000000000" pitchFamily="2" charset="0"/>
               </a:rPr>
-              <a:t>Account Management</a:t>
+              <a:t>CUSTOMER SUCCESS</a:t>
             </a:r>
           </a:p>
         </p:txBody>
@@ -6523,7 +6524,7 @@
         <p:spPr>
           <a:xfrm>
             <a:off x="6440424" y="1077532"/>
-            <a:ext cx="0" cy="2651760"/>
+            <a:ext cx="0" cy="2468880"/>
           </a:xfrm>
           <a:prstGeom prst="line">
             <a:avLst/>
@@ -6564,7 +6565,7 @@
         <p:spPr>
           <a:xfrm>
             <a:off x="329180" y="1470724"/>
-            <a:ext cx="3023613" cy="1954381"/>
+            <a:ext cx="3023613" cy="1869743"/>
           </a:xfrm>
           <a:prstGeom prst="rect">
             <a:avLst/>
@@ -6590,7 +6591,7 @@
               <a:buChar char="•"/>
             </a:pPr>
             <a:r>
-              <a:rPr lang="en-US" sz="1100" dirty="0">
+              <a:rPr lang="en-US" sz="1050" dirty="0">
                 <a:solidFill>
                   <a:schemeClr val="tx1">
                     <a:lumMod val="65000"/>
@@ -6613,7 +6614,7 @@
               <a:buFont typeface="Arial" panose="020B0604020202020204" pitchFamily="34" charset="0"/>
               <a:buChar char="•"/>
             </a:pPr>
-            <a:endParaRPr lang="en-US" sz="1100" dirty="0">
+            <a:endParaRPr lang="en-US" sz="1050" dirty="0">
               <a:solidFill>
                 <a:schemeClr val="tx1">
                   <a:lumMod val="65000"/>
@@ -6635,7 +6636,7 @@
               <a:buChar char="•"/>
             </a:pPr>
             <a:r>
-              <a:rPr lang="en-US" sz="1100" dirty="0">
+              <a:rPr lang="en-US" sz="1050" dirty="0">
                 <a:solidFill>
                   <a:schemeClr val="tx1">
                     <a:lumMod val="65000"/>
@@ -6658,7 +6659,7 @@
               <a:buFont typeface="Arial" panose="020B0604020202020204" pitchFamily="34" charset="0"/>
               <a:buChar char="•"/>
             </a:pPr>
-            <a:endParaRPr lang="en-US" sz="1100" dirty="0">
+            <a:endParaRPr lang="en-US" sz="1050" dirty="0">
               <a:solidFill>
                 <a:schemeClr val="tx1">
                   <a:lumMod val="65000"/>
@@ -6679,7 +6680,7 @@
               <a:buChar char="•"/>
             </a:pPr>
             <a:r>
-              <a:rPr lang="en-US" sz="1100" dirty="0">
+              <a:rPr lang="en-US" sz="1050" dirty="0">
                 <a:solidFill>
                   <a:schemeClr val="tx1">
                     <a:lumMod val="65000"/>
@@ -6701,7 +6702,7 @@
               <a:buFont typeface="Arial" panose="020B0604020202020204" pitchFamily="34" charset="0"/>
               <a:buChar char="•"/>
             </a:pPr>
-            <a:endParaRPr lang="en-US" sz="1100" dirty="0">
+            <a:endParaRPr lang="en-US" sz="1050" dirty="0">
               <a:solidFill>
                 <a:schemeClr val="tx1">
                   <a:lumMod val="65000"/>
@@ -6722,7 +6723,7 @@
               <a:buChar char="•"/>
             </a:pPr>
             <a:r>
-              <a:rPr lang="en-US" sz="1100" dirty="0">
+              <a:rPr lang="en-US" sz="1050" dirty="0">
                 <a:solidFill>
                   <a:schemeClr val="tx1">
                     <a:lumMod val="65000"/>
@@ -6751,7 +6752,7 @@
         <p:spPr>
           <a:xfrm>
             <a:off x="3371090" y="1470724"/>
-            <a:ext cx="3023613" cy="2123658"/>
+            <a:ext cx="3023613" cy="2031325"/>
           </a:xfrm>
           <a:prstGeom prst="rect">
             <a:avLst/>
@@ -6777,7 +6778,7 @@
               <a:buChar char="•"/>
             </a:pPr>
             <a:r>
-              <a:rPr lang="en-US" sz="1100" dirty="0">
+              <a:rPr lang="en-US" sz="1050" dirty="0">
                 <a:solidFill>
                   <a:schemeClr val="tx1">
                     <a:lumMod val="65000"/>
@@ -6800,7 +6801,7 @@
               <a:buFont typeface="Arial" panose="020B0604020202020204" pitchFamily="34" charset="0"/>
               <a:buChar char="•"/>
             </a:pPr>
-            <a:endParaRPr lang="en-US" sz="1100" dirty="0">
+            <a:endParaRPr lang="en-US" sz="1050" dirty="0">
               <a:solidFill>
                 <a:schemeClr val="tx1">
                   <a:lumMod val="65000"/>
@@ -6822,7 +6823,7 @@
               <a:buChar char="•"/>
             </a:pPr>
             <a:r>
-              <a:rPr lang="en-US" sz="1100" dirty="0">
+              <a:rPr lang="en-US" sz="1050" dirty="0">
                 <a:solidFill>
                   <a:schemeClr val="tx1">
                     <a:lumMod val="65000"/>
@@ -6845,7 +6846,7 @@
               <a:buFont typeface="Arial" panose="020B0604020202020204" pitchFamily="34" charset="0"/>
               <a:buChar char="•"/>
             </a:pPr>
-            <a:endParaRPr lang="en-US" sz="1100" dirty="0">
+            <a:endParaRPr lang="en-US" sz="1050" dirty="0">
               <a:solidFill>
                 <a:schemeClr val="tx1">
                   <a:lumMod val="65000"/>
@@ -6867,7 +6868,7 @@
               <a:buChar char="•"/>
             </a:pPr>
             <a:r>
-              <a:rPr lang="en-US" sz="1100" dirty="0">
+              <a:rPr lang="en-US" sz="1050" dirty="0">
                 <a:solidFill>
                   <a:schemeClr val="tx1">
                     <a:lumMod val="65000"/>
@@ -6890,7 +6891,7 @@
               <a:buFont typeface="Arial" panose="020B0604020202020204" pitchFamily="34" charset="0"/>
               <a:buChar char="•"/>
             </a:pPr>
-            <a:endParaRPr lang="en-US" sz="1100" dirty="0">
+            <a:endParaRPr lang="en-US" sz="1050" dirty="0">
               <a:solidFill>
                 <a:schemeClr val="tx1">
                   <a:lumMod val="65000"/>
@@ -6912,7 +6913,7 @@
               <a:buChar char="•"/>
             </a:pPr>
             <a:r>
-              <a:rPr lang="en-US" sz="1100" dirty="0">
+              <a:rPr lang="en-US" sz="1050" dirty="0">
                 <a:solidFill>
                   <a:schemeClr val="tx1">
                     <a:lumMod val="65000"/>
@@ -6924,7 +6925,7 @@
               </a:rPr>
               <a:t>Turn data into actionable insights for internal and external stakeholders</a:t>
             </a:r>
-            <a:endParaRPr lang="en-US" sz="1100" dirty="0">
+            <a:endParaRPr lang="en-US" sz="1050" dirty="0">
               <a:solidFill>
                 <a:schemeClr val="tx1">
                   <a:lumMod val="65000"/>
@@ -6951,7 +6952,7 @@
         <p:spPr>
           <a:xfrm>
             <a:off x="6440426" y="1470724"/>
-            <a:ext cx="3023613" cy="2631490"/>
+            <a:ext cx="3023613" cy="2354491"/>
           </a:xfrm>
           <a:prstGeom prst="rect">
             <a:avLst/>
@@ -6977,7 +6978,7 @@
               <a:buChar char="•"/>
             </a:pPr>
             <a:r>
-              <a:rPr lang="en-US" sz="1100" dirty="0">
+              <a:rPr lang="en-US" sz="1050" dirty="0">
                 <a:solidFill>
                   <a:schemeClr val="tx1">
                     <a:lumMod val="65000"/>
@@ -7000,7 +7001,7 @@
               <a:buFont typeface="Arial" panose="020B0604020202020204" pitchFamily="34" charset="0"/>
               <a:buChar char="•"/>
             </a:pPr>
-            <a:endParaRPr lang="en-US" sz="1100" dirty="0">
+            <a:endParaRPr lang="en-US" sz="1050" dirty="0">
               <a:solidFill>
                 <a:schemeClr val="tx1">
                   <a:lumMod val="65000"/>
@@ -7022,7 +7023,7 @@
               <a:buChar char="•"/>
             </a:pPr>
             <a:r>
-              <a:rPr lang="en-US" sz="1100" dirty="0">
+              <a:rPr lang="en-US" sz="1050" dirty="0">
                 <a:solidFill>
                   <a:schemeClr val="tx1">
                     <a:lumMod val="65000"/>
@@ -7045,7 +7046,7 @@
               <a:buFont typeface="Arial" panose="020B0604020202020204" pitchFamily="34" charset="0"/>
               <a:buChar char="•"/>
             </a:pPr>
-            <a:endParaRPr lang="en-US" sz="1100" dirty="0">
+            <a:endParaRPr lang="en-US" sz="1050" dirty="0">
               <a:solidFill>
                 <a:schemeClr val="tx1">
                   <a:lumMod val="65000"/>
@@ -7067,7 +7068,7 @@
               <a:buChar char="•"/>
             </a:pPr>
             <a:r>
-              <a:rPr lang="en-US" sz="1100" dirty="0">
+              <a:rPr lang="en-US" sz="1050" dirty="0">
                 <a:solidFill>
                   <a:schemeClr val="tx1">
                     <a:lumMod val="65000"/>
@@ -7090,7 +7091,7 @@
               <a:buFont typeface="Arial" panose="020B0604020202020204" pitchFamily="34" charset="0"/>
               <a:buChar char="•"/>
             </a:pPr>
-            <a:endParaRPr lang="en-US" sz="1100" dirty="0">
+            <a:endParaRPr lang="en-US" sz="1050" dirty="0">
               <a:solidFill>
                 <a:schemeClr val="tx1">
                   <a:lumMod val="65000"/>
@@ -7112,7 +7113,7 @@
               <a:buChar char="•"/>
             </a:pPr>
             <a:r>
-              <a:rPr lang="en-US" sz="1100" dirty="0">
+              <a:rPr lang="en-US" sz="1050" dirty="0">
                 <a:solidFill>
                   <a:schemeClr val="tx1">
                     <a:lumMod val="65000"/>
@@ -7135,7 +7136,7 @@
               <a:buFont typeface="Arial" panose="020B0604020202020204" pitchFamily="34" charset="0"/>
               <a:buChar char="•"/>
             </a:pPr>
-            <a:endParaRPr lang="en-US" sz="1100" dirty="0">
+            <a:endParaRPr lang="en-US" sz="1050" dirty="0">
               <a:solidFill>
                 <a:schemeClr val="tx1">
                   <a:lumMod val="65000"/>
@@ -7156,7 +7157,7 @@
               <a:buFont typeface="Arial" panose="020B0604020202020204" pitchFamily="34" charset="0"/>
               <a:buChar char="•"/>
             </a:pPr>
-            <a:endParaRPr lang="en-US" sz="1100" dirty="0">
+            <a:endParaRPr lang="en-US" sz="1050" dirty="0">
               <a:solidFill>
                 <a:schemeClr val="tx1">
                   <a:lumMod val="65000"/>
@@ -7172,6 +7173,169 @@
     <p:extLst>
       <p:ext uri="{BB962C8B-B14F-4D97-AF65-F5344CB8AC3E}">
         <p14:creationId xmlns:p14="http://schemas.microsoft.com/office/powerpoint/2010/main" val="358922135"/>
+      </p:ext>
+    </p:extLst>
+  </p:cSld>
+  <p:clrMapOvr>
+    <a:masterClrMapping/>
+  </p:clrMapOvr>
+</p:sld>
+</file>
+
+<file path=ppt/slides/slide4.xml><?xml version="1.0" encoding="utf-8"?>
+<p:sld xmlns:a="http://schemas.openxmlformats.org/drawingml/2006/main" xmlns:r="http://schemas.openxmlformats.org/officeDocument/2006/relationships" xmlns:p="http://schemas.openxmlformats.org/presentationml/2006/main">
+  <p:cSld>
+    <p:spTree>
+      <p:nvGrpSpPr>
+        <p:cNvPr id="1" name=""/>
+        <p:cNvGrpSpPr/>
+        <p:nvPr/>
+      </p:nvGrpSpPr>
+      <p:grpSpPr>
+        <a:xfrm>
+          <a:off x="0" y="0"/>
+          <a:ext cx="0" cy="0"/>
+          <a:chOff x="0" y="0"/>
+          <a:chExt cx="0" cy="0"/>
+        </a:xfrm>
+      </p:grpSpPr>
+      <p:sp>
+        <p:nvSpPr>
+          <p:cNvPr id="29" name="TextBox 28">
+            <a:extLst>
+              <a:ext uri="{FF2B5EF4-FFF2-40B4-BE49-F238E27FC236}">
+                <a16:creationId xmlns:a16="http://schemas.microsoft.com/office/drawing/2014/main" id="{494BE049-E553-4977-AF8C-EC9AC564F2CB}"/>
+              </a:ext>
+            </a:extLst>
+          </p:cNvPr>
+          <p:cNvSpPr txBox="1"/>
+          <p:nvPr/>
+        </p:nvSpPr>
+        <p:spPr>
+          <a:xfrm>
+            <a:off x="329184" y="934416"/>
+            <a:ext cx="2941319" cy="286232"/>
+          </a:xfrm>
+          <a:prstGeom prst="rect">
+            <a:avLst/>
+          </a:prstGeom>
+          <a:noFill/>
+        </p:spPr>
+        <p:txBody>
+          <a:bodyPr wrap="square">
+            <a:spAutoFit/>
+          </a:bodyPr>
+          <a:lstStyle/>
+          <a:p>
+            <a:pPr algn="ctr" defTabSz="2222500">
+              <a:lnSpc>
+                <a:spcPct val="90000"/>
+              </a:lnSpc>
+              <a:spcBef>
+                <a:spcPct val="0"/>
+              </a:spcBef>
+              <a:spcAft>
+                <a:spcPct val="35000"/>
+              </a:spcAft>
+            </a:pPr>
+            <a:r>
+              <a:rPr lang="en-US" sz="1400" dirty="0">
+                <a:solidFill>
+                  <a:schemeClr val="bg1"/>
+                </a:solidFill>
+                <a:latin typeface="Montserrat Black" panose="00000A00000000000000" pitchFamily="2" charset="0"/>
+              </a:rPr>
+              <a:t>Product Management</a:t>
+            </a:r>
+          </a:p>
+        </p:txBody>
+      </p:sp>
+      <p:cxnSp>
+        <p:nvCxnSpPr>
+          <p:cNvPr id="7" name="Straight Connector 6">
+            <a:extLst>
+              <a:ext uri="{FF2B5EF4-FFF2-40B4-BE49-F238E27FC236}">
+                <a16:creationId xmlns:a16="http://schemas.microsoft.com/office/drawing/2014/main" id="{E9A57772-D7D7-42D0-B3CF-E8EFFD76E523}"/>
+              </a:ext>
+            </a:extLst>
+          </p:cNvPr>
+          <p:cNvCxnSpPr>
+            <a:cxnSpLocks/>
+          </p:cNvCxnSpPr>
+          <p:nvPr/>
+        </p:nvCxnSpPr>
+        <p:spPr>
+          <a:xfrm>
+            <a:off x="218089" y="0"/>
+            <a:ext cx="0" cy="6949440"/>
+          </a:xfrm>
+          <a:prstGeom prst="line">
+            <a:avLst/>
+          </a:prstGeom>
+          <a:ln w="9525"/>
+        </p:spPr>
+        <p:style>
+          <a:lnRef idx="1">
+            <a:schemeClr val="accent1"/>
+          </a:lnRef>
+          <a:fillRef idx="0">
+            <a:schemeClr val="accent1"/>
+          </a:fillRef>
+          <a:effectRef idx="0">
+            <a:schemeClr val="accent1"/>
+          </a:effectRef>
+          <a:fontRef idx="minor">
+            <a:schemeClr val="tx1"/>
+          </a:fontRef>
+        </p:style>
+      </p:cxnSp>
+      <p:cxnSp>
+        <p:nvCxnSpPr>
+          <p:cNvPr id="40" name="Straight Connector 39">
+            <a:extLst>
+              <a:ext uri="{FF2B5EF4-FFF2-40B4-BE49-F238E27FC236}">
+                <a16:creationId xmlns:a16="http://schemas.microsoft.com/office/drawing/2014/main" id="{1F06DCD6-D047-4F9E-B47B-E3BDD2D77C6B}"/>
+              </a:ext>
+            </a:extLst>
+          </p:cNvPr>
+          <p:cNvCxnSpPr>
+            <a:cxnSpLocks/>
+          </p:cNvCxnSpPr>
+          <p:nvPr/>
+        </p:nvCxnSpPr>
+        <p:spPr>
+          <a:xfrm>
+            <a:off x="9474181" y="0"/>
+            <a:ext cx="0" cy="6949440"/>
+          </a:xfrm>
+          <a:prstGeom prst="line">
+            <a:avLst/>
+          </a:prstGeom>
+          <a:ln w="9525">
+            <a:solidFill>
+              <a:schemeClr val="accent3"/>
+            </a:solidFill>
+          </a:ln>
+        </p:spPr>
+        <p:style>
+          <a:lnRef idx="1">
+            <a:schemeClr val="accent1"/>
+          </a:lnRef>
+          <a:fillRef idx="0">
+            <a:schemeClr val="accent1"/>
+          </a:fillRef>
+          <a:effectRef idx="0">
+            <a:schemeClr val="accent1"/>
+          </a:effectRef>
+          <a:fontRef idx="minor">
+            <a:schemeClr val="tx1"/>
+          </a:fontRef>
+        </p:style>
+      </p:cxnSp>
+    </p:spTree>
+    <p:extLst>
+      <p:ext uri="{BB962C8B-B14F-4D97-AF65-F5344CB8AC3E}">
+        <p14:creationId xmlns:p14="http://schemas.microsoft.com/office/powerpoint/2010/main" val="2065595223"/>
       </p:ext>
     </p:extLst>
   </p:cSld>

--- a/images/Images Creations (Venn Tools).pptx
+++ b/images/Images Creations (Venn Tools).pptx
@@ -6502,7 +6502,7 @@
               <a:rPr lang="en-US" sz="1400" dirty="0">
                 <a:latin typeface="Montserrat Black" panose="00000A00000000000000" pitchFamily="2" charset="0"/>
               </a:rPr>
-              <a:t>CUSTOMER SUCCESS</a:t>
+              <a:t>Customer Success</a:t>
             </a:r>
           </a:p>
         </p:txBody>
